--- a/old/apcsa2_5_2.pptx
+++ b/old/apcsa2_5_2.pptx
@@ -8023,7 +8023,7 @@
                   </a:defRPr>
                 </a:pPr>
                 <a:r>
-                  <a:t>Activity</a:t>
+                  <a:t>Independent work</a:t>
                 </a:r>
               </a:p>
               <a:p>
@@ -8062,14 +8062,14 @@
       </p:grpSp>
       <p:sp>
         <p:nvSpPr>
-          <p:cNvPr id="233" name="Implement the algorithm (on board) for selection sort in 3/7: Selection Sort in Spring 2022: In-class Activities…"/>
+          <p:cNvPr id="233" name="Write out a pseudocode algorithm for selection sort. Show Dr. O’Brien.…"/>
           <p:cNvSpPr txBox="1"/>
           <p:nvPr/>
         </p:nvSpPr>
         <p:spPr>
           <a:xfrm>
             <a:off x="4459616" y="1710508"/>
-            <a:ext cx="3491724" cy="2641601"/>
+            <a:ext cx="3491724" cy="2971801"/>
           </a:xfrm>
           <a:prstGeom prst="rect">
             <a:avLst/>
@@ -8099,20 +8099,8 @@
               </a:defRPr>
             </a:pPr>
             <a:r>
-              <a:t>Implement the algorithm (on board) for selection sort in 3/7: </a:t>
-            </a:r>
-            <a:r>
-              <a:rPr i="1"/>
-              <a:t>Selection Sort</a:t>
-            </a:r>
-            <a:r>
-              <a:t> in </a:t>
-            </a:r>
-            <a:r>
-              <a:rPr b="1"/>
-              <a:t>Spring 2022: In-class Activities</a:t>
-            </a:r>
-            <a:endParaRPr b="1"/>
+              <a:t>Write out a pseudocode algorithm for selection sort. Show Dr. O’Brien.</a:t>
+            </a:r>
           </a:p>
           <a:p>
             <a:pPr marL="187157" indent="-187157">
@@ -8125,6 +8113,32 @@
               </a:defRPr>
             </a:pPr>
             <a:r>
+              <a:t>Implement the algorithm (on board) for selection sort in 3/7: </a:t>
+            </a:r>
+            <a:r>
+              <a:rPr i="1"/>
+              <a:t>Selection Sort</a:t>
+            </a:r>
+            <a:r>
+              <a:t> in </a:t>
+            </a:r>
+            <a:r>
+              <a:rPr b="1"/>
+              <a:t>Spring 2022: In-class Activities</a:t>
+            </a:r>
+            <a:endParaRPr b="1"/>
+          </a:p>
+          <a:p>
+            <a:pPr marL="187157" indent="-187157">
+              <a:buSzPct val="100000"/>
+              <a:buAutoNum type="arabicPeriod" startAt="1"/>
+              <a:defRPr sz="1100">
+                <a:solidFill>
+                  <a:srgbClr val="000000"/>
+                </a:solidFill>
+              </a:defRPr>
+            </a:pPr>
+            <a:r>
               <a:t>Complete activity </a:t>
             </a:r>
             <a:r>
@@ -8136,7 +8150,7 @@
             </a:r>
           </a:p>
           <a:p>
-            <a:pPr marL="183815" indent="-183815" defTabSz="457200">
+            <a:pPr lvl="1" marL="818815" indent="-183815" defTabSz="457200">
               <a:buSzPct val="100000"/>
               <a:buAutoNum type="alphaUcPeriod" startAt="1"/>
               <a:defRPr sz="1100">
@@ -8150,7 +8164,7 @@
             </a:r>
           </a:p>
           <a:p>
-            <a:pPr marL="183815" indent="-183815" defTabSz="457200">
+            <a:pPr lvl="1" marL="818815" indent="-183815" defTabSz="457200">
               <a:buSzPct val="100000"/>
               <a:buAutoNum type="alphaUcPeriod" startAt="1"/>
               <a:defRPr sz="1100">
